--- a/rapport/Bete à corne.pptx
+++ b/rapport/Bete à corne.pptx
@@ -104,6 +104,11 @@
       </a:defRPr>
     </a:lvl9pPr>
   </p:defaultTextStyle>
+  <p:extLst>
+    <p:ext uri="{EFAFB233-063F-42B5-8137-9DF3F51BA10A}">
+      <p15:sldGuideLst xmlns:p15="http://schemas.microsoft.com/office/powerpoint/2012/main"/>
+    </p:ext>
+  </p:extLst>
 </p:presentation>
 </file>
 
@@ -3369,14 +3374,14 @@
           <a:lstStyle/>
           <a:p>
             <a:pPr algn="ctr"/>
-            <a:endParaRPr lang="fr-FR">
-              <a:solidFill>
-                <a:schemeClr val="accent1">
-                  <a:lumMod val="40000"/>
-                  <a:lumOff val="60000"/>
-                </a:schemeClr>
-              </a:solidFill>
-            </a:endParaRPr>
+            <a:r>
+              <a:rPr lang="fr-FR" dirty="0">
+                <a:solidFill>
+                  <a:schemeClr val="tx1"/>
+                </a:solidFill>
+              </a:rPr>
+              <a:t>A l’utilisateur</a:t>
+            </a:r>
           </a:p>
         </p:txBody>
       </p:sp>
@@ -3428,14 +3433,14 @@
           <a:lstStyle/>
           <a:p>
             <a:pPr algn="ctr"/>
-            <a:endParaRPr lang="fr-FR">
-              <a:solidFill>
-                <a:schemeClr val="accent1">
-                  <a:lumMod val="40000"/>
-                  <a:lumOff val="60000"/>
-                </a:schemeClr>
-              </a:solidFill>
-            </a:endParaRPr>
+            <a:r>
+              <a:rPr lang="fr-FR" dirty="0">
+                <a:solidFill>
+                  <a:schemeClr val="tx1"/>
+                </a:solidFill>
+              </a:rPr>
+              <a:t>Sur un ensemble fini de symboles saisis par l’utilisateur</a:t>
+            </a:r>
           </a:p>
         </p:txBody>
       </p:sp>
@@ -3487,14 +3492,14 @@
           <a:lstStyle/>
           <a:p>
             <a:pPr algn="ctr"/>
-            <a:endParaRPr lang="fr-FR">
-              <a:solidFill>
-                <a:schemeClr val="accent1">
-                  <a:lumMod val="40000"/>
-                  <a:lumOff val="60000"/>
-                </a:schemeClr>
-              </a:solidFill>
-            </a:endParaRPr>
+            <a:r>
+              <a:rPr lang="fr-FR" dirty="0">
+                <a:solidFill>
+                  <a:schemeClr val="tx1"/>
+                </a:solidFill>
+              </a:rPr>
+              <a:t>Machine d’états</a:t>
+            </a:r>
           </a:p>
         </p:txBody>
       </p:sp>
@@ -3546,7 +3551,14 @@
           <a:lstStyle/>
           <a:p>
             <a:pPr algn="ctr"/>
-            <a:endParaRPr lang="fr-FR"/>
+            <a:r>
+              <a:rPr lang="fr-FR" dirty="0">
+                <a:solidFill>
+                  <a:schemeClr val="tx1"/>
+                </a:solidFill>
+              </a:rPr>
+              <a:t>Exécuter et afficher l’exécution et le résultat d’une procédure prédéfinie</a:t>
+            </a:r>
           </a:p>
         </p:txBody>
       </p:sp>

--- a/rapport/Bete à corne.pptx
+++ b/rapport/Bete à corne.pptx
@@ -259,7 +259,7 @@
           <a:p>
             <a:fld id="{A947FF5D-CBDE-4819-8A47-EB341A9F948E}" type="datetimeFigureOut">
               <a:rPr lang="fr-FR" smtClean="0"/>
-              <a:t>11/06/2024</a:t>
+              <a:t>12/06/2024</a:t>
             </a:fld>
             <a:endParaRPr lang="fr-FR"/>
           </a:p>
@@ -457,7 +457,7 @@
           <a:p>
             <a:fld id="{A947FF5D-CBDE-4819-8A47-EB341A9F948E}" type="datetimeFigureOut">
               <a:rPr lang="fr-FR" smtClean="0"/>
-              <a:t>11/06/2024</a:t>
+              <a:t>12/06/2024</a:t>
             </a:fld>
             <a:endParaRPr lang="fr-FR"/>
           </a:p>
@@ -665,7 +665,7 @@
           <a:p>
             <a:fld id="{A947FF5D-CBDE-4819-8A47-EB341A9F948E}" type="datetimeFigureOut">
               <a:rPr lang="fr-FR" smtClean="0"/>
-              <a:t>11/06/2024</a:t>
+              <a:t>12/06/2024</a:t>
             </a:fld>
             <a:endParaRPr lang="fr-FR"/>
           </a:p>
@@ -863,7 +863,7 @@
           <a:p>
             <a:fld id="{A947FF5D-CBDE-4819-8A47-EB341A9F948E}" type="datetimeFigureOut">
               <a:rPr lang="fr-FR" smtClean="0"/>
-              <a:t>11/06/2024</a:t>
+              <a:t>12/06/2024</a:t>
             </a:fld>
             <a:endParaRPr lang="fr-FR"/>
           </a:p>
@@ -1138,7 +1138,7 @@
           <a:p>
             <a:fld id="{A947FF5D-CBDE-4819-8A47-EB341A9F948E}" type="datetimeFigureOut">
               <a:rPr lang="fr-FR" smtClean="0"/>
-              <a:t>11/06/2024</a:t>
+              <a:t>12/06/2024</a:t>
             </a:fld>
             <a:endParaRPr lang="fr-FR"/>
           </a:p>
@@ -1403,7 +1403,7 @@
           <a:p>
             <a:fld id="{A947FF5D-CBDE-4819-8A47-EB341A9F948E}" type="datetimeFigureOut">
               <a:rPr lang="fr-FR" smtClean="0"/>
-              <a:t>11/06/2024</a:t>
+              <a:t>12/06/2024</a:t>
             </a:fld>
             <a:endParaRPr lang="fr-FR"/>
           </a:p>
@@ -1815,7 +1815,7 @@
           <a:p>
             <a:fld id="{A947FF5D-CBDE-4819-8A47-EB341A9F948E}" type="datetimeFigureOut">
               <a:rPr lang="fr-FR" smtClean="0"/>
-              <a:t>11/06/2024</a:t>
+              <a:t>12/06/2024</a:t>
             </a:fld>
             <a:endParaRPr lang="fr-FR"/>
           </a:p>
@@ -1956,7 +1956,7 @@
           <a:p>
             <a:fld id="{A947FF5D-CBDE-4819-8A47-EB341A9F948E}" type="datetimeFigureOut">
               <a:rPr lang="fr-FR" smtClean="0"/>
-              <a:t>11/06/2024</a:t>
+              <a:t>12/06/2024</a:t>
             </a:fld>
             <a:endParaRPr lang="fr-FR"/>
           </a:p>
@@ -2069,7 +2069,7 @@
           <a:p>
             <a:fld id="{A947FF5D-CBDE-4819-8A47-EB341A9F948E}" type="datetimeFigureOut">
               <a:rPr lang="fr-FR" smtClean="0"/>
-              <a:t>11/06/2024</a:t>
+              <a:t>12/06/2024</a:t>
             </a:fld>
             <a:endParaRPr lang="fr-FR"/>
           </a:p>
@@ -2380,7 +2380,7 @@
           <a:p>
             <a:fld id="{A947FF5D-CBDE-4819-8A47-EB341A9F948E}" type="datetimeFigureOut">
               <a:rPr lang="fr-FR" smtClean="0"/>
-              <a:t>11/06/2024</a:t>
+              <a:t>12/06/2024</a:t>
             </a:fld>
             <a:endParaRPr lang="fr-FR"/>
           </a:p>
@@ -2668,7 +2668,7 @@
           <a:p>
             <a:fld id="{A947FF5D-CBDE-4819-8A47-EB341A9F948E}" type="datetimeFigureOut">
               <a:rPr lang="fr-FR" smtClean="0"/>
-              <a:t>11/06/2024</a:t>
+              <a:t>12/06/2024</a:t>
             </a:fld>
             <a:endParaRPr lang="fr-FR"/>
           </a:p>
@@ -2909,7 +2909,7 @@
           <a:p>
             <a:fld id="{A947FF5D-CBDE-4819-8A47-EB341A9F948E}" type="datetimeFigureOut">
               <a:rPr lang="fr-FR" smtClean="0"/>
-              <a:t>11/06/2024</a:t>
+              <a:t>12/06/2024</a:t>
             </a:fld>
             <a:endParaRPr lang="fr-FR"/>
           </a:p>
@@ -3373,15 +3373,43 @@
           <a:bodyPr rtlCol="0" anchor="ctr"/>
           <a:lstStyle/>
           <a:p>
-            <a:pPr algn="ctr"/>
+            <a:pPr marL="285750" indent="-285750" algn="ctr">
+              <a:buFontTx/>
+              <a:buChar char="-"/>
+            </a:pPr>
             <a:r>
               <a:rPr lang="fr-FR" dirty="0">
                 <a:solidFill>
                   <a:schemeClr val="tx1"/>
                 </a:solidFill>
               </a:rPr>
-              <a:t>A l’utilisateur</a:t>
-            </a:r>
+              <a:t>Étudiants en info</a:t>
+            </a:r>
+          </a:p>
+          <a:p>
+            <a:pPr marL="285750" indent="-285750" algn="ctr">
+              <a:buFontTx/>
+              <a:buChar char="-"/>
+            </a:pPr>
+            <a:r>
+              <a:rPr lang="fr-FR" dirty="0">
+                <a:solidFill>
+                  <a:schemeClr val="tx1"/>
+                </a:solidFill>
+              </a:rPr>
+              <a:t>Enseignants</a:t>
+            </a:r>
+          </a:p>
+          <a:p>
+            <a:pPr marL="285750" indent="-285750" algn="ctr">
+              <a:buFontTx/>
+              <a:buChar char="-"/>
+            </a:pPr>
+            <a:endParaRPr lang="fr-FR" dirty="0">
+              <a:solidFill>
+                <a:schemeClr val="tx1"/>
+              </a:solidFill>
+            </a:endParaRPr>
           </a:p>
         </p:txBody>
       </p:sp>
@@ -3399,8 +3427,8 @@
         </p:nvSpPr>
         <p:spPr>
           <a:xfrm>
-            <a:off x="7856376" y="1046580"/>
-            <a:ext cx="3520751" cy="1362269"/>
+            <a:off x="8180840" y="878048"/>
+            <a:ext cx="3520751" cy="2099743"/>
           </a:xfrm>
           <a:prstGeom prst="ellipse">
             <a:avLst/>
@@ -3432,14 +3460,31 @@
           <a:bodyPr rtlCol="0" anchor="ctr"/>
           <a:lstStyle/>
           <a:p>
-            <a:pPr algn="ctr"/>
+            <a:pPr marL="285750" indent="-285750" algn="ctr">
+              <a:buFontTx/>
+              <a:buChar char="-"/>
+            </a:pPr>
             <a:r>
               <a:rPr lang="fr-FR" dirty="0">
                 <a:solidFill>
                   <a:schemeClr val="tx1"/>
                 </a:solidFill>
               </a:rPr>
-              <a:t>Sur un ensemble fini de symboles saisis par l’utilisateur</a:t>
+              <a:t>Exécution de programmes prédéfinis</a:t>
+            </a:r>
+          </a:p>
+          <a:p>
+            <a:pPr marL="285750" indent="-285750" algn="ctr">
+              <a:buFontTx/>
+              <a:buChar char="-"/>
+            </a:pPr>
+            <a:r>
+              <a:rPr lang="fr-FR" dirty="0">
+                <a:solidFill>
+                  <a:schemeClr val="tx1"/>
+                </a:solidFill>
+              </a:rPr>
+              <a:t>Affichage état ruban, et position de la tête de lecture</a:t>
             </a:r>
           </a:p>
         </p:txBody>
@@ -3517,7 +3562,7 @@
         </p:nvSpPr>
         <p:spPr>
           <a:xfrm>
-            <a:off x="957944" y="4948337"/>
+            <a:off x="957943" y="4926937"/>
             <a:ext cx="10276112" cy="1422917"/>
           </a:xfrm>
           <a:prstGeom prst="rect">
@@ -3557,7 +3602,7 @@
                   <a:schemeClr val="tx1"/>
                 </a:solidFill>
               </a:rPr>
-              <a:t>Exécuter et afficher l’exécution et le résultat d’une procédure prédéfinie</a:t>
+              <a:t>Machine de Turing à état fini capable de traiter des programmes prédéfinis</a:t>
             </a:r>
           </a:p>
         </p:txBody>
@@ -3611,7 +3656,7 @@
         </p:nvSpPr>
         <p:spPr>
           <a:xfrm>
-            <a:off x="8791845" y="639338"/>
+            <a:off x="8890167" y="259850"/>
             <a:ext cx="1649811" cy="369332"/>
           </a:xfrm>
           <a:prstGeom prst="rect">
@@ -3646,7 +3691,7 @@
         </p:nvSpPr>
         <p:spPr>
           <a:xfrm>
-            <a:off x="5271895" y="4359001"/>
+            <a:off x="5271895" y="4469003"/>
             <a:ext cx="1648208" cy="369332"/>
           </a:xfrm>
           <a:prstGeom prst="rect">
